--- a/Seminarski rad II/Sigurnost MongoDB baze podataka.pptx
+++ b/Seminarski rad II/Sigurnost MongoDB baze podataka.pptx
@@ -309,7 +309,7 @@
           <a:p>
             <a:fld id="{EE303B2A-0CC1-49B0-9B8A-78B760FC7914}" type="datetimeFigureOut">
               <a:rPr lang="en-US" smtClean="0"/>
-              <a:t>17-May-20</a:t>
+              <a:t>18-May-20</a:t>
             </a:fld>
             <a:endParaRPr lang="en-US"/>
           </a:p>
@@ -584,7 +584,7 @@
           <a:p>
             <a:fld id="{EE303B2A-0CC1-49B0-9B8A-78B760FC7914}" type="datetimeFigureOut">
               <a:rPr lang="en-US" smtClean="0"/>
-              <a:t>17-May-20</a:t>
+              <a:t>18-May-20</a:t>
             </a:fld>
             <a:endParaRPr lang="en-US"/>
           </a:p>
@@ -778,7 +778,7 @@
           <a:p>
             <a:fld id="{EE303B2A-0CC1-49B0-9B8A-78B760FC7914}" type="datetimeFigureOut">
               <a:rPr lang="en-US" smtClean="0"/>
-              <a:t>17-May-20</a:t>
+              <a:t>18-May-20</a:t>
             </a:fld>
             <a:endParaRPr lang="en-US"/>
           </a:p>
@@ -1051,7 +1051,7 @@
           <a:p>
             <a:fld id="{EE303B2A-0CC1-49B0-9B8A-78B760FC7914}" type="datetimeFigureOut">
               <a:rPr lang="en-US" smtClean="0"/>
-              <a:t>17-May-20</a:t>
+              <a:t>18-May-20</a:t>
             </a:fld>
             <a:endParaRPr lang="en-US"/>
           </a:p>
@@ -1392,7 +1392,7 @@
           <a:p>
             <a:fld id="{EE303B2A-0CC1-49B0-9B8A-78B760FC7914}" type="datetimeFigureOut">
               <a:rPr lang="en-US" smtClean="0"/>
-              <a:t>17-May-20</a:t>
+              <a:t>18-May-20</a:t>
             </a:fld>
             <a:endParaRPr lang="en-US"/>
           </a:p>
@@ -2015,7 +2015,7 @@
           <a:p>
             <a:fld id="{EE303B2A-0CC1-49B0-9B8A-78B760FC7914}" type="datetimeFigureOut">
               <a:rPr lang="en-US" smtClean="0"/>
-              <a:t>17-May-20</a:t>
+              <a:t>18-May-20</a:t>
             </a:fld>
             <a:endParaRPr lang="en-US"/>
           </a:p>
@@ -2875,7 +2875,7 @@
           <a:p>
             <a:fld id="{EE303B2A-0CC1-49B0-9B8A-78B760FC7914}" type="datetimeFigureOut">
               <a:rPr lang="en-US" smtClean="0"/>
-              <a:t>17-May-20</a:t>
+              <a:t>18-May-20</a:t>
             </a:fld>
             <a:endParaRPr lang="en-US"/>
           </a:p>
@@ -3045,7 +3045,7 @@
           <a:p>
             <a:fld id="{EE303B2A-0CC1-49B0-9B8A-78B760FC7914}" type="datetimeFigureOut">
               <a:rPr lang="en-US" smtClean="0"/>
-              <a:t>17-May-20</a:t>
+              <a:t>18-May-20</a:t>
             </a:fld>
             <a:endParaRPr lang="en-US"/>
           </a:p>
@@ -3225,7 +3225,7 @@
           <a:p>
             <a:fld id="{EE303B2A-0CC1-49B0-9B8A-78B760FC7914}" type="datetimeFigureOut">
               <a:rPr lang="en-US" smtClean="0"/>
-              <a:t>17-May-20</a:t>
+              <a:t>18-May-20</a:t>
             </a:fld>
             <a:endParaRPr lang="en-US"/>
           </a:p>
@@ -3395,7 +3395,7 @@
           <a:p>
             <a:fld id="{EE303B2A-0CC1-49B0-9B8A-78B760FC7914}" type="datetimeFigureOut">
               <a:rPr lang="en-US" smtClean="0"/>
-              <a:t>17-May-20</a:t>
+              <a:t>18-May-20</a:t>
             </a:fld>
             <a:endParaRPr lang="en-US"/>
           </a:p>
@@ -3642,7 +3642,7 @@
           <a:p>
             <a:fld id="{EE303B2A-0CC1-49B0-9B8A-78B760FC7914}" type="datetimeFigureOut">
               <a:rPr lang="en-US" smtClean="0"/>
-              <a:t>17-May-20</a:t>
+              <a:t>18-May-20</a:t>
             </a:fld>
             <a:endParaRPr lang="en-US"/>
           </a:p>
@@ -3934,7 +3934,7 @@
           <a:p>
             <a:fld id="{EE303B2A-0CC1-49B0-9B8A-78B760FC7914}" type="datetimeFigureOut">
               <a:rPr lang="en-US" smtClean="0"/>
-              <a:t>17-May-20</a:t>
+              <a:t>18-May-20</a:t>
             </a:fld>
             <a:endParaRPr lang="en-US"/>
           </a:p>
@@ -4378,7 +4378,7 @@
           <a:p>
             <a:fld id="{EE303B2A-0CC1-49B0-9B8A-78B760FC7914}" type="datetimeFigureOut">
               <a:rPr lang="en-US" smtClean="0"/>
-              <a:t>17-May-20</a:t>
+              <a:t>18-May-20</a:t>
             </a:fld>
             <a:endParaRPr lang="en-US"/>
           </a:p>
@@ -4496,7 +4496,7 @@
           <a:p>
             <a:fld id="{EE303B2A-0CC1-49B0-9B8A-78B760FC7914}" type="datetimeFigureOut">
               <a:rPr lang="en-US" smtClean="0"/>
-              <a:t>17-May-20</a:t>
+              <a:t>18-May-20</a:t>
             </a:fld>
             <a:endParaRPr lang="en-US"/>
           </a:p>
@@ -4591,7 +4591,7 @@
           <a:p>
             <a:fld id="{EE303B2A-0CC1-49B0-9B8A-78B760FC7914}" type="datetimeFigureOut">
               <a:rPr lang="en-US" smtClean="0"/>
-              <a:t>17-May-20</a:t>
+              <a:t>18-May-20</a:t>
             </a:fld>
             <a:endParaRPr lang="en-US"/>
           </a:p>
@@ -4870,7 +4870,7 @@
           <a:p>
             <a:fld id="{EE303B2A-0CC1-49B0-9B8A-78B760FC7914}" type="datetimeFigureOut">
               <a:rPr lang="en-US" smtClean="0"/>
-              <a:t>17-May-20</a:t>
+              <a:t>18-May-20</a:t>
             </a:fld>
             <a:endParaRPr lang="en-US"/>
           </a:p>
@@ -5145,7 +5145,7 @@
           <a:p>
             <a:fld id="{EE303B2A-0CC1-49B0-9B8A-78B760FC7914}" type="datetimeFigureOut">
               <a:rPr lang="en-US" smtClean="0"/>
-              <a:t>17-May-20</a:t>
+              <a:t>18-May-20</a:t>
             </a:fld>
             <a:endParaRPr lang="en-US"/>
           </a:p>
@@ -5574,7 +5574,7 @@
           <a:p>
             <a:fld id="{EE303B2A-0CC1-49B0-9B8A-78B760FC7914}" type="datetimeFigureOut">
               <a:rPr lang="en-US" smtClean="0"/>
-              <a:t>17-May-20</a:t>
+              <a:t>18-May-20</a:t>
             </a:fld>
             <a:endParaRPr lang="en-US"/>
           </a:p>
@@ -6403,13 +6403,13 @@
   <p:clrMapOvr>
     <a:masterClrMapping/>
   </p:clrMapOvr>
-  <mc:AlternateContent xmlns:mc="http://schemas.openxmlformats.org/markup-compatibility/2006">
-    <mc:Choice xmlns:p14="http://schemas.microsoft.com/office/powerpoint/2010/main" Requires="p14">
+  <mc:AlternateContent xmlns:mc="http://schemas.openxmlformats.org/markup-compatibility/2006" xmlns:p14="http://schemas.microsoft.com/office/powerpoint/2010/main">
+    <mc:Choice Requires="p14">
       <p:transition spd="med" p14:dur="700">
         <p:fade/>
       </p:transition>
     </mc:Choice>
-    <mc:Fallback>
+    <mc:Fallback xmlns="">
       <p:transition spd="med">
         <p:fade/>
       </p:transition>
@@ -6855,13 +6855,13 @@
   <p:clrMapOvr>
     <a:masterClrMapping/>
   </p:clrMapOvr>
-  <mc:AlternateContent xmlns:mc="http://schemas.openxmlformats.org/markup-compatibility/2006">
-    <mc:Choice xmlns:p14="http://schemas.microsoft.com/office/powerpoint/2010/main" Requires="p14">
+  <mc:AlternateContent xmlns:mc="http://schemas.openxmlformats.org/markup-compatibility/2006" xmlns:p14="http://schemas.microsoft.com/office/powerpoint/2010/main">
+    <mc:Choice Requires="p14">
       <p:transition spd="med" p14:dur="700">
         <p:fade/>
       </p:transition>
     </mc:Choice>
-    <mc:Fallback>
+    <mc:Fallback xmlns="">
       <p:transition spd="med">
         <p:fade/>
       </p:transition>
@@ -7127,13 +7127,13 @@
   <p:clrMapOvr>
     <a:masterClrMapping/>
   </p:clrMapOvr>
-  <mc:AlternateContent xmlns:mc="http://schemas.openxmlformats.org/markup-compatibility/2006">
-    <mc:Choice xmlns:p14="http://schemas.microsoft.com/office/powerpoint/2010/main" Requires="p14">
+  <mc:AlternateContent xmlns:mc="http://schemas.openxmlformats.org/markup-compatibility/2006" xmlns:p14="http://schemas.microsoft.com/office/powerpoint/2010/main">
+    <mc:Choice Requires="p14">
       <p:transition spd="med" p14:dur="700">
         <p:fade/>
       </p:transition>
     </mc:Choice>
-    <mc:Fallback>
+    <mc:Fallback xmlns="">
       <p:transition spd="med">
         <p:fade/>
       </p:transition>
@@ -7356,13 +7356,13 @@
   <p:clrMapOvr>
     <a:masterClrMapping/>
   </p:clrMapOvr>
-  <mc:AlternateContent xmlns:mc="http://schemas.openxmlformats.org/markup-compatibility/2006">
-    <mc:Choice xmlns:p14="http://schemas.microsoft.com/office/powerpoint/2010/main" Requires="p14">
+  <mc:AlternateContent xmlns:mc="http://schemas.openxmlformats.org/markup-compatibility/2006" xmlns:p14="http://schemas.microsoft.com/office/powerpoint/2010/main">
+    <mc:Choice Requires="p14">
       <p:transition spd="med" p14:dur="700">
         <p:fade/>
       </p:transition>
     </mc:Choice>
-    <mc:Fallback>
+    <mc:Fallback xmlns="">
       <p:transition spd="med">
         <p:fade/>
       </p:transition>
@@ -8009,14 +8009,7 @@
                 <a:latin typeface="Times New Roman" panose="02020603050405020304" pitchFamily="18" charset="0"/>
                 <a:cs typeface="Times New Roman" panose="02020603050405020304" pitchFamily="18" charset="0"/>
               </a:rPr>
-              <a:t>Ugrađene </a:t>
-            </a:r>
-            <a:r>
-              <a:rPr lang="sr-Latn-RS" dirty="0" smtClean="0">
-                <a:latin typeface="Times New Roman" panose="02020603050405020304" pitchFamily="18" charset="0"/>
-                <a:cs typeface="Times New Roman" panose="02020603050405020304" pitchFamily="18" charset="0"/>
-              </a:rPr>
-              <a:t>uloge:												</a:t>
+              <a:t>Ugrađene uloge:												</a:t>
             </a:r>
           </a:p>
           <a:p>
@@ -8109,13 +8102,13 @@
   <p:clrMapOvr>
     <a:masterClrMapping/>
   </p:clrMapOvr>
-  <mc:AlternateContent xmlns:mc="http://schemas.openxmlformats.org/markup-compatibility/2006">
-    <mc:Choice xmlns:p14="http://schemas.microsoft.com/office/powerpoint/2010/main" Requires="p14">
+  <mc:AlternateContent xmlns:mc="http://schemas.openxmlformats.org/markup-compatibility/2006" xmlns:p14="http://schemas.microsoft.com/office/powerpoint/2010/main">
+    <mc:Choice Requires="p14">
       <p:transition spd="med" p14:dur="700">
         <p:fade/>
       </p:transition>
     </mc:Choice>
-    <mc:Fallback>
+    <mc:Fallback xmlns="">
       <p:transition spd="med">
         <p:fade/>
       </p:transition>
@@ -9056,13 +9049,13 @@
   <p:clrMapOvr>
     <a:masterClrMapping/>
   </p:clrMapOvr>
-  <mc:AlternateContent xmlns:mc="http://schemas.openxmlformats.org/markup-compatibility/2006">
-    <mc:Choice xmlns:p14="http://schemas.microsoft.com/office/powerpoint/2010/main" Requires="p14">
+  <mc:AlternateContent xmlns:mc="http://schemas.openxmlformats.org/markup-compatibility/2006" xmlns:p14="http://schemas.microsoft.com/office/powerpoint/2010/main">
+    <mc:Choice Requires="p14">
       <p:transition spd="med" p14:dur="700">
         <p:fade/>
       </p:transition>
     </mc:Choice>
-    <mc:Fallback>
+    <mc:Fallback xmlns="">
       <p:transition spd="med">
         <p:fade/>
       </p:transition>
@@ -9673,7 +9666,7 @@
         </p:spPr>
         <p:txBody>
           <a:bodyPr>
-            <a:normAutofit/>
+            <a:normAutofit lnSpcReduction="10000"/>
           </a:bodyPr>
           <a:lstStyle/>
           <a:p>
@@ -9700,8 +9693,33 @@
                 <a:latin typeface="Times New Roman" panose="02020603050405020304" pitchFamily="18" charset="0"/>
                 <a:cs typeface="Times New Roman" panose="02020603050405020304" pitchFamily="18" charset="0"/>
               </a:rPr>
-              <a:t>db.getUser()</a:t>
-            </a:r>
+              <a:t>db.getUser</a:t>
+            </a:r>
+            <a:r>
+              <a:rPr lang="sr-Latn-RS" b="1" i="1" dirty="0" smtClean="0">
+                <a:latin typeface="Times New Roman" panose="02020603050405020304" pitchFamily="18" charset="0"/>
+                <a:cs typeface="Times New Roman" panose="02020603050405020304" pitchFamily="18" charset="0"/>
+              </a:rPr>
+              <a:t>() </a:t>
+            </a:r>
+            <a:r>
+              <a:rPr lang="sr-Latn-RS" dirty="0" smtClean="0">
+                <a:latin typeface="Times New Roman" panose="02020603050405020304" pitchFamily="18" charset="0"/>
+                <a:cs typeface="Times New Roman" panose="02020603050405020304" pitchFamily="18" charset="0"/>
+              </a:rPr>
+              <a:t>i </a:t>
+            </a:r>
+            <a:r>
+              <a:rPr lang="sr-Latn-RS" b="1" i="1" dirty="0" smtClean="0">
+                <a:latin typeface="Times New Roman" panose="02020603050405020304" pitchFamily="18" charset="0"/>
+                <a:cs typeface="Times New Roman" panose="02020603050405020304" pitchFamily="18" charset="0"/>
+              </a:rPr>
+              <a:t>db.getUsers()</a:t>
+            </a:r>
+            <a:endParaRPr lang="sr-Latn-RS" b="1" i="1" dirty="0" smtClean="0">
+              <a:latin typeface="Times New Roman" panose="02020603050405020304" pitchFamily="18" charset="0"/>
+              <a:cs typeface="Times New Roman" panose="02020603050405020304" pitchFamily="18" charset="0"/>
+            </a:endParaRPr>
           </a:p>
           <a:p>
             <a:pPr lvl="1" algn="just">
@@ -9811,20 +9829,62 @@
               <a:buFont typeface="Wingdings" panose="05000000000000000000" pitchFamily="2" charset="2"/>
               <a:buChar char="Ø"/>
             </a:pPr>
+            <a:endParaRPr lang="sr-Latn-RS" dirty="0" smtClean="0">
+              <a:latin typeface="Times New Roman" panose="02020603050405020304" pitchFamily="18" charset="0"/>
+              <a:cs typeface="Times New Roman" panose="02020603050405020304" pitchFamily="18" charset="0"/>
+            </a:endParaRPr>
+          </a:p>
+          <a:p>
+            <a:pPr algn="just">
+              <a:buFont typeface="Wingdings" panose="05000000000000000000" pitchFamily="2" charset="2"/>
+              <a:buChar char="Ø"/>
+            </a:pPr>
             <a:r>
               <a:rPr lang="sr-Latn-RS" dirty="0" smtClean="0">
                 <a:latin typeface="Times New Roman" panose="02020603050405020304" pitchFamily="18" charset="0"/>
                 <a:cs typeface="Times New Roman" panose="02020603050405020304" pitchFamily="18" charset="0"/>
               </a:rPr>
-              <a:t>Pregled informacija o ulogama – </a:t>
+              <a:t>Pregled </a:t>
+            </a:r>
+            <a:r>
+              <a:rPr lang="sr-Latn-RS" dirty="0" smtClean="0">
+                <a:latin typeface="Times New Roman" panose="02020603050405020304" pitchFamily="18" charset="0"/>
+                <a:cs typeface="Times New Roman" panose="02020603050405020304" pitchFamily="18" charset="0"/>
+              </a:rPr>
+              <a:t>informacija o ulogama – </a:t>
             </a:r>
             <a:r>
               <a:rPr lang="sr-Latn-RS" b="1" i="1" dirty="0" smtClean="0">
                 <a:latin typeface="Times New Roman" panose="02020603050405020304" pitchFamily="18" charset="0"/>
                 <a:cs typeface="Times New Roman" panose="02020603050405020304" pitchFamily="18" charset="0"/>
               </a:rPr>
-              <a:t>db.getRole()</a:t>
-            </a:r>
+              <a:t>db.getRole</a:t>
+            </a:r>
+            <a:r>
+              <a:rPr lang="sr-Latn-RS" b="1" i="1" dirty="0" smtClean="0">
+                <a:latin typeface="Times New Roman" panose="02020603050405020304" pitchFamily="18" charset="0"/>
+                <a:cs typeface="Times New Roman" panose="02020603050405020304" pitchFamily="18" charset="0"/>
+              </a:rPr>
+              <a:t>() </a:t>
+            </a:r>
+            <a:r>
+              <a:rPr lang="sr-Latn-RS" dirty="0" smtClean="0">
+                <a:latin typeface="Times New Roman" panose="02020603050405020304" pitchFamily="18" charset="0"/>
+                <a:cs typeface="Times New Roman" panose="02020603050405020304" pitchFamily="18" charset="0"/>
+              </a:rPr>
+              <a:t>i </a:t>
+            </a:r>
+            <a:r>
+              <a:rPr lang="sr-Latn-RS" b="1" i="1" dirty="0" smtClean="0">
+                <a:latin typeface="Times New Roman" panose="02020603050405020304" pitchFamily="18" charset="0"/>
+                <a:cs typeface="Times New Roman" panose="02020603050405020304" pitchFamily="18" charset="0"/>
+              </a:rPr>
+              <a:t>db.getRoles()</a:t>
+            </a:r>
+            <a:endParaRPr lang="sr-Latn-RS" b="1" i="1" dirty="0" smtClean="0">
+              <a:latin typeface="Times New Roman" panose="02020603050405020304" pitchFamily="18" charset="0"/>
+              <a:cs typeface="Times New Roman" panose="02020603050405020304" pitchFamily="18" charset="0"/>
+            </a:endParaRPr>
           </a:p>
           <a:p>
             <a:pPr lvl="1" algn="just">
@@ -9872,7 +9932,7 @@
         </p:blipFill>
         <p:spPr>
           <a:xfrm>
-            <a:off x="1985254" y="1429326"/>
+            <a:off x="1985254" y="1649845"/>
             <a:ext cx="3944491" cy="3558310"/>
           </a:xfrm>
           <a:prstGeom prst="rect">
@@ -9918,13 +9978,13 @@
   <p:clrMapOvr>
     <a:masterClrMapping/>
   </p:clrMapOvr>
-  <mc:AlternateContent xmlns:mc="http://schemas.openxmlformats.org/markup-compatibility/2006">
-    <mc:Choice xmlns:p14="http://schemas.microsoft.com/office/powerpoint/2010/main" Requires="p14">
+  <mc:AlternateContent xmlns:mc="http://schemas.openxmlformats.org/markup-compatibility/2006" xmlns:p14="http://schemas.microsoft.com/office/powerpoint/2010/main">
+    <mc:Choice Requires="p14">
       <p:transition spd="med" p14:dur="700">
         <p:fade/>
       </p:transition>
     </mc:Choice>
-    <mc:Fallback>
+    <mc:Fallback xmlns="">
       <p:transition spd="med">
         <p:fade/>
       </p:transition>
@@ -10108,7 +10168,7 @@
                                         <p:tgtEl>
                                           <p:spTgt spid="3">
                                             <p:txEl>
-                                              <p:pRg st="11" end="11"/>
+                                              <p:pRg st="12" end="12"/>
                                             </p:txEl>
                                           </p:spTgt>
                                         </p:tgtEl>
@@ -10126,7 +10186,7 @@
                                         <p:tgtEl>
                                           <p:spTgt spid="3">
                                             <p:txEl>
-                                              <p:pRg st="11" end="11"/>
+                                              <p:pRg st="12" end="12"/>
                                             </p:txEl>
                                           </p:spTgt>
                                         </p:tgtEl>
@@ -10151,7 +10211,7 @@
                                         <p:tgtEl>
                                           <p:spTgt spid="3">
                                             <p:txEl>
-                                              <p:pRg st="12" end="12"/>
+                                              <p:pRg st="13" end="13"/>
                                             </p:txEl>
                                           </p:spTgt>
                                         </p:tgtEl>
@@ -10169,7 +10229,7 @@
                                         <p:tgtEl>
                                           <p:spTgt spid="3">
                                             <p:txEl>
-                                              <p:pRg st="12" end="12"/>
+                                              <p:pRg st="13" end="13"/>
                                             </p:txEl>
                                           </p:spTgt>
                                         </p:tgtEl>
@@ -10512,13 +10572,13 @@
   <p:clrMapOvr>
     <a:masterClrMapping/>
   </p:clrMapOvr>
-  <mc:AlternateContent xmlns:mc="http://schemas.openxmlformats.org/markup-compatibility/2006">
-    <mc:Choice xmlns:p14="http://schemas.microsoft.com/office/powerpoint/2010/main" Requires="p14">
+  <mc:AlternateContent xmlns:mc="http://schemas.openxmlformats.org/markup-compatibility/2006" xmlns:p14="http://schemas.microsoft.com/office/powerpoint/2010/main">
+    <mc:Choice Requires="p14">
       <p:transition spd="med" p14:dur="700">
         <p:fade/>
       </p:transition>
     </mc:Choice>
-    <mc:Fallback>
+    <mc:Fallback xmlns="">
       <p:transition spd="med">
         <p:fade/>
       </p:transition>
@@ -11150,13 +11210,13 @@
   <p:clrMapOvr>
     <a:masterClrMapping/>
   </p:clrMapOvr>
-  <mc:AlternateContent xmlns:mc="http://schemas.openxmlformats.org/markup-compatibility/2006">
-    <mc:Choice xmlns:p14="http://schemas.microsoft.com/office/powerpoint/2010/main" Requires="p14">
+  <mc:AlternateContent xmlns:mc="http://schemas.openxmlformats.org/markup-compatibility/2006" xmlns:p14="http://schemas.microsoft.com/office/powerpoint/2010/main">
+    <mc:Choice Requires="p14">
       <p:transition spd="med" p14:dur="700">
         <p:fade/>
       </p:transition>
     </mc:Choice>
-    <mc:Fallback>
+    <mc:Fallback xmlns="">
       <p:transition spd="med">
         <p:fade/>
       </p:transition>
@@ -11633,13 +11693,13 @@
   <p:clrMapOvr>
     <a:masterClrMapping/>
   </p:clrMapOvr>
-  <mc:AlternateContent xmlns:mc="http://schemas.openxmlformats.org/markup-compatibility/2006">
-    <mc:Choice xmlns:p14="http://schemas.microsoft.com/office/powerpoint/2010/main" Requires="p14">
+  <mc:AlternateContent xmlns:mc="http://schemas.openxmlformats.org/markup-compatibility/2006" xmlns:p14="http://schemas.microsoft.com/office/powerpoint/2010/main">
+    <mc:Choice Requires="p14">
       <p:transition spd="med" p14:dur="700">
         <p:fade/>
       </p:transition>
     </mc:Choice>
-    <mc:Fallback>
+    <mc:Fallback xmlns="">
       <p:transition spd="med">
         <p:fade/>
       </p:transition>
@@ -12174,14 +12234,7 @@
                 <a:latin typeface="Times New Roman" panose="02020603050405020304" pitchFamily="18" charset="0"/>
                 <a:cs typeface="Times New Roman" panose="02020603050405020304" pitchFamily="18" charset="0"/>
               </a:rPr>
-              <a:t>Aplikacije mogu da izvrše enkripciju polja u dokumenata</a:t>
-            </a:r>
-            <a:r>
-              <a:rPr lang="sr-Latn-RS" dirty="0" smtClean="0">
-                <a:latin typeface="Times New Roman" panose="02020603050405020304" pitchFamily="18" charset="0"/>
-                <a:cs typeface="Times New Roman" panose="02020603050405020304" pitchFamily="18" charset="0"/>
-              </a:rPr>
-              <a:t>ima pre slanja serveru</a:t>
+              <a:t>Aplikacije mogu da izvrše enkripciju polja u dokumenataima pre slanja serveru</a:t>
             </a:r>
           </a:p>
           <a:p>
@@ -12328,13 +12381,13 @@
   <p:clrMapOvr>
     <a:masterClrMapping/>
   </p:clrMapOvr>
-  <mc:AlternateContent xmlns:mc="http://schemas.openxmlformats.org/markup-compatibility/2006">
-    <mc:Choice xmlns:p14="http://schemas.microsoft.com/office/powerpoint/2010/main" Requires="p14">
+  <mc:AlternateContent xmlns:mc="http://schemas.openxmlformats.org/markup-compatibility/2006" xmlns:p14="http://schemas.microsoft.com/office/powerpoint/2010/main">
+    <mc:Choice Requires="p14">
       <p:transition spd="med" p14:dur="700">
         <p:fade/>
       </p:transition>
     </mc:Choice>
-    <mc:Fallback>
+    <mc:Fallback xmlns="">
       <p:transition spd="med">
         <p:fade/>
       </p:transition>
